--- a/Slides/UPAI2019_05.pptx
+++ b/Slides/UPAI2019_05.pptx
@@ -47,14 +47,14 @@
       <p:boldItalic r:id="rId33"/>
     </p:embeddedFont>
     <p:embeddedFont>
-      <p:font typeface="Arvo" panose="020B0604020202020204" charset="0"/>
+      <p:font typeface="Roboto Condensed" panose="020B0604020202020204" charset="0"/>
       <p:regular r:id="rId34"/>
       <p:bold r:id="rId35"/>
       <p:italic r:id="rId36"/>
       <p:boldItalic r:id="rId37"/>
     </p:embeddedFont>
     <p:embeddedFont>
-      <p:font typeface="Roboto Condensed" panose="020B0604020202020204" charset="0"/>
+      <p:font typeface="Arvo" panose="020B0604020202020204" charset="0"/>
       <p:regular r:id="rId38"/>
       <p:bold r:id="rId39"/>
       <p:italic r:id="rId40"/>
@@ -7248,6 +7248,7 @@
           <a:bodyPr/>
           <a:lstStyle/>
           <a:p>
+            <a:pPr lvl="1"/>
             <a:r>
               <a:rPr lang="es-MX" dirty="0">
                 <a:hlinkClick r:id="rId2"/>
